--- a/assets/tactile_image_files/0075-sedimentary_sorting/0075-sedimentary_sorting.pptx
+++ b/assets/tactile_image_files/0075-sedimentary_sorting/0075-sedimentary_sorting.pptx
@@ -114,6 +114,15 @@
 </p:presentation>
 </file>
 
+<file path=ppt/revisionInfo.xml><?xml version="1.0" encoding="utf-8"?>
+<p1510:revInfo xmlns:a="http://schemas.openxmlformats.org/drawingml/2006/main" xmlns:r="http://schemas.openxmlformats.org/officeDocument/2006/relationships" xmlns:p1510="http://schemas.microsoft.com/office/powerpoint/2015/10/main">
+  <p1510:revLst>
+    <p1510:client id="{9B81AE9F-80BD-B000-D60B-9318D5447ECD}" v="20" dt="2021-02-24T21:24:10.111"/>
+    <p1510:client id="{A64F3923-F393-142F-ED3A-C9CB496463D6}" v="12" dt="2021-03-04T18:13:14.105"/>
+  </p1510:revLst>
+</p1510:revInfo>
+</file>
+
 <file path=ppt/slideLayouts/slideLayout1.xml><?xml version="1.0" encoding="utf-8"?>
 <p:sldLayout xmlns:a="http://schemas.openxmlformats.org/drawingml/2006/main" xmlns:r="http://schemas.openxmlformats.org/officeDocument/2006/relationships" xmlns:p="http://schemas.openxmlformats.org/presentationml/2006/main" preserve="1" userDrawn="1">
   <p:cSld name="Title Slide">
@@ -253,7 +262,7 @@
           <a:p>
             <a:fld id="{E796F801-3BB8-A247-923B-F07F1B58D38A}" type="datetimeFigureOut">
               <a:rPr lang="en-US" smtClean="0"/>
-              <a:t>7/24/20</a:t>
+              <a:t>7/9/21</a:t>
             </a:fld>
             <a:endParaRPr lang="en-US"/>
           </a:p>
@@ -433,7 +442,7 @@
           <a:p>
             <a:fld id="{E796F801-3BB8-A247-923B-F07F1B58D38A}" type="datetimeFigureOut">
               <a:rPr lang="en-US" smtClean="0"/>
-              <a:t>7/24/20</a:t>
+              <a:t>7/9/21</a:t>
             </a:fld>
             <a:endParaRPr lang="en-US"/>
           </a:p>
@@ -603,7 +612,7 @@
           <a:p>
             <a:fld id="{E796F801-3BB8-A247-923B-F07F1B58D38A}" type="datetimeFigureOut">
               <a:rPr lang="en-US" smtClean="0"/>
-              <a:t>7/24/20</a:t>
+              <a:t>7/9/21</a:t>
             </a:fld>
             <a:endParaRPr lang="en-US"/>
           </a:p>
@@ -847,7 +856,7 @@
           <a:p>
             <a:fld id="{E796F801-3BB8-A247-923B-F07F1B58D38A}" type="datetimeFigureOut">
               <a:rPr lang="en-US" smtClean="0"/>
-              <a:t>7/24/20</a:t>
+              <a:t>7/9/21</a:t>
             </a:fld>
             <a:endParaRPr lang="en-US"/>
           </a:p>
@@ -1079,7 +1088,7 @@
           <a:p>
             <a:fld id="{E796F801-3BB8-A247-923B-F07F1B58D38A}" type="datetimeFigureOut">
               <a:rPr lang="en-US" smtClean="0"/>
-              <a:t>7/24/20</a:t>
+              <a:t>7/9/21</a:t>
             </a:fld>
             <a:endParaRPr lang="en-US"/>
           </a:p>
@@ -1446,7 +1455,7 @@
           <a:p>
             <a:fld id="{E796F801-3BB8-A247-923B-F07F1B58D38A}" type="datetimeFigureOut">
               <a:rPr lang="en-US" smtClean="0"/>
-              <a:t>7/24/20</a:t>
+              <a:t>7/9/21</a:t>
             </a:fld>
             <a:endParaRPr lang="en-US"/>
           </a:p>
@@ -1564,7 +1573,7 @@
           <a:p>
             <a:fld id="{E796F801-3BB8-A247-923B-F07F1B58D38A}" type="datetimeFigureOut">
               <a:rPr lang="en-US" smtClean="0"/>
-              <a:t>7/24/20</a:t>
+              <a:t>7/9/21</a:t>
             </a:fld>
             <a:endParaRPr lang="en-US"/>
           </a:p>
@@ -1659,7 +1668,7 @@
           <a:p>
             <a:fld id="{E796F801-3BB8-A247-923B-F07F1B58D38A}" type="datetimeFigureOut">
               <a:rPr lang="en-US" smtClean="0"/>
-              <a:t>7/24/20</a:t>
+              <a:t>7/9/21</a:t>
             </a:fld>
             <a:endParaRPr lang="en-US"/>
           </a:p>
@@ -1936,7 +1945,7 @@
           <a:p>
             <a:fld id="{E796F801-3BB8-A247-923B-F07F1B58D38A}" type="datetimeFigureOut">
               <a:rPr lang="en-US" smtClean="0"/>
-              <a:t>7/24/20</a:t>
+              <a:t>7/9/21</a:t>
             </a:fld>
             <a:endParaRPr lang="en-US"/>
           </a:p>
@@ -2193,7 +2202,7 @@
           <a:p>
             <a:fld id="{E796F801-3BB8-A247-923B-F07F1B58D38A}" type="datetimeFigureOut">
               <a:rPr lang="en-US" smtClean="0"/>
-              <a:t>7/24/20</a:t>
+              <a:t>7/9/21</a:t>
             </a:fld>
             <a:endParaRPr lang="en-US"/>
           </a:p>
@@ -2406,7 +2415,7 @@
           <a:p>
             <a:fld id="{E796F801-3BB8-A247-923B-F07F1B58D38A}" type="datetimeFigureOut">
               <a:rPr lang="en-US" smtClean="0"/>
-              <a:t>7/24/20</a:t>
+              <a:t>7/9/21</a:t>
             </a:fld>
             <a:endParaRPr lang="en-US"/>
           </a:p>
@@ -4510,7 +4519,6 @@
           </a:bodyPr>
           <a:lstStyle/>
           <a:p>
-            <a:pPr algn="ctr"/>
             <a:r>
               <a:rPr lang="en-US" sz="2400">
                 <a:latin typeface="Swell Braille" pitchFamily="49"/>
@@ -4519,7 +4527,6 @@
             </a:r>
           </a:p>
           <a:p>
-            <a:pPr algn="ctr"/>
             <a:r>
               <a:rPr lang="en-US" sz="2400">
                 <a:latin typeface="Swell Braille" pitchFamily="49"/>
@@ -4557,7 +4564,6 @@
           </a:bodyPr>
           <a:lstStyle/>
           <a:p>
-            <a:pPr algn="ctr"/>
             <a:r>
               <a:rPr lang="en-US" sz="2400">
                 <a:latin typeface="Swell Braille" pitchFamily="49"/>
@@ -4566,7 +4572,6 @@
             </a:r>
           </a:p>
           <a:p>
-            <a:pPr algn="ctr"/>
             <a:r>
               <a:rPr lang="en-US" sz="2400">
                 <a:latin typeface="Swell Braille" pitchFamily="49"/>
@@ -4604,7 +4609,6 @@
           </a:bodyPr>
           <a:lstStyle/>
           <a:p>
-            <a:pPr algn="ctr"/>
             <a:r>
               <a:rPr lang="en-US" sz="2400">
                 <a:latin typeface="Swell Braille" pitchFamily="49"/>
@@ -4613,7 +4617,6 @@
             </a:r>
           </a:p>
           <a:p>
-            <a:pPr algn="ctr"/>
             <a:r>
               <a:rPr lang="en-US" sz="2400">
                 <a:latin typeface="Swell Braille" pitchFamily="49"/>
@@ -4728,7 +4731,7 @@
         <p:spPr>
           <a:xfrm>
             <a:off x="3050894" y="153718"/>
-            <a:ext cx="3406702" cy="461665"/>
+            <a:ext cx="3352200" cy="461665"/>
           </a:xfrm>
           <a:prstGeom prst="rect">
             <a:avLst/>
@@ -4736,18 +4739,22 @@
           <a:noFill/>
         </p:spPr>
         <p:txBody>
-          <a:bodyPr wrap="none" rtlCol="0">
+          <a:bodyPr wrap="none" lIns="91440" tIns="45720" rIns="91440" bIns="45720" rtlCol="0" anchor="t">
             <a:spAutoFit/>
           </a:bodyPr>
           <a:lstStyle/>
           <a:p>
             <a:r>
-              <a:rPr lang="en-US" sz="2400">
-                <a:latin typeface="Swell Braille" pitchFamily="49"/>
-                <a:cs typeface="Arial" panose="020B0604020202020204" pitchFamily="34" charset="0"/>
+              <a:rPr lang="en-US" sz="2400" dirty="0">
+                <a:latin typeface="Swell Braille"/>
+                <a:cs typeface="Arial"/>
               </a:rPr>
-              <a:t>⠎⠫⠊⠍⠢⠞⠜⠽⠀⠎⠕⠗⠞⠬</a:t>
-            </a:r>
+              <a:t>'S⠫⠊⠍⠢⠞⠜⠽⠀'s⠕⠗⠞⠬</a:t>
+            </a:r>
+            <a:endParaRPr lang="en-US" sz="2400" dirty="0">
+              <a:latin typeface="Swell Braille" pitchFamily="49"/>
+              <a:cs typeface="Arial" panose="020B0604020202020204" pitchFamily="34" charset="0"/>
+            </a:endParaRPr>
           </a:p>
         </p:txBody>
       </p:sp>
